--- a/HT_proj2_presentation.pptx
+++ b/HT_proj2_presentation.pptx
@@ -17,8 +17,7 @@
     <p:sldId id="262" r:id="rId11"/>
     <p:sldId id="264" r:id="rId12"/>
     <p:sldId id="265" r:id="rId13"/>
-    <p:sldId id="266" r:id="rId14"/>
-    <p:sldId id="267" r:id="rId15"/>
+    <p:sldId id="267" r:id="rId14"/>
   </p:sldIdLst>
   <p:sldSz cx="12192000" cy="6858000"/>
   <p:notesSz cx="6858000" cy="9144000"/>
@@ -1772,6 +1771,141 @@
           <a:chExt cx="0" cy="0"/>
         </a:xfrm>
       </p:grpSpPr>
+      <p:pic>
+        <p:nvPicPr>
+          <p:cNvPr id="8" name="Picture 7">
+            <a:extLst>
+              <a:ext uri="{FF2B5EF4-FFF2-40B4-BE49-F238E27FC236}">
+                <a16:creationId xmlns:a16="http://schemas.microsoft.com/office/drawing/2014/main" id="{43526190-1872-42E0-AB9A-8C9E0F25B38A}"/>
+              </a:ext>
+            </a:extLst>
+          </p:cNvPr>
+          <p:cNvPicPr>
+            <a:picLocks noChangeAspect="1"/>
+          </p:cNvPicPr>
+          <p:nvPr/>
+        </p:nvPicPr>
+        <p:blipFill>
+          <a:blip r:embed="rId2"/>
+          <a:stretch>
+            <a:fillRect/>
+          </a:stretch>
+        </p:blipFill>
+        <p:spPr>
+          <a:xfrm>
+            <a:off x="1823746" y="4400027"/>
+            <a:ext cx="6744342" cy="2144627"/>
+          </a:xfrm>
+          <a:prstGeom prst="rect">
+            <a:avLst/>
+          </a:prstGeom>
+        </p:spPr>
+      </p:pic>
+      <p:pic>
+        <p:nvPicPr>
+          <p:cNvPr id="5" name="Picture 4">
+            <a:extLst>
+              <a:ext uri="{FF2B5EF4-FFF2-40B4-BE49-F238E27FC236}">
+                <a16:creationId xmlns:a16="http://schemas.microsoft.com/office/drawing/2014/main" id="{CC472AC1-58A6-409F-B681-DF03CF3BF54A}"/>
+              </a:ext>
+            </a:extLst>
+          </p:cNvPr>
+          <p:cNvPicPr>
+            <a:picLocks noChangeAspect="1"/>
+          </p:cNvPicPr>
+          <p:nvPr/>
+        </p:nvPicPr>
+        <p:blipFill>
+          <a:blip r:embed="rId3"/>
+          <a:stretch>
+            <a:fillRect/>
+          </a:stretch>
+        </p:blipFill>
+        <p:spPr>
+          <a:xfrm>
+            <a:off x="1813301" y="41120"/>
+            <a:ext cx="6744344" cy="2144628"/>
+          </a:xfrm>
+          <a:prstGeom prst="rect">
+            <a:avLst/>
+          </a:prstGeom>
+        </p:spPr>
+      </p:pic>
+      <p:pic>
+        <p:nvPicPr>
+          <p:cNvPr id="6" name="Picture 5">
+            <a:extLst>
+              <a:ext uri="{FF2B5EF4-FFF2-40B4-BE49-F238E27FC236}">
+                <a16:creationId xmlns:a16="http://schemas.microsoft.com/office/drawing/2014/main" id="{8043280D-E450-4FAA-9832-52DD72EE0D5A}"/>
+              </a:ext>
+            </a:extLst>
+          </p:cNvPr>
+          <p:cNvPicPr>
+            <a:picLocks noChangeAspect="1"/>
+          </p:cNvPicPr>
+          <p:nvPr/>
+        </p:nvPicPr>
+        <p:blipFill>
+          <a:blip r:embed="rId4"/>
+          <a:stretch>
+            <a:fillRect/>
+          </a:stretch>
+        </p:blipFill>
+        <p:spPr>
+          <a:xfrm>
+            <a:off x="1823745" y="2214509"/>
+            <a:ext cx="6744342" cy="2144627"/>
+          </a:xfrm>
+          <a:prstGeom prst="rect">
+            <a:avLst/>
+          </a:prstGeom>
+        </p:spPr>
+      </p:pic>
+      <p:sp>
+        <p:nvSpPr>
+          <p:cNvPr id="7" name="AutoShape 2">
+            <a:extLst>
+              <a:ext uri="{FF2B5EF4-FFF2-40B4-BE49-F238E27FC236}">
+                <a16:creationId xmlns:a16="http://schemas.microsoft.com/office/drawing/2014/main" id="{1CBE7562-18B8-4767-AA81-67378559D326}"/>
+              </a:ext>
+            </a:extLst>
+          </p:cNvPr>
+          <p:cNvSpPr>
+            <a:spLocks noChangeAspect="1" noChangeArrowheads="1"/>
+          </p:cNvSpPr>
+          <p:nvPr/>
+        </p:nvSpPr>
+        <p:spPr bwMode="auto">
+          <a:xfrm>
+            <a:off x="5943600" y="3276600"/>
+            <a:ext cx="304800" cy="304800"/>
+          </a:xfrm>
+          <a:prstGeom prst="rect">
+            <a:avLst/>
+          </a:prstGeom>
+          <a:noFill/>
+          <a:extLst>
+            <a:ext uri="{909E8E84-426E-40DD-AFC4-6F175D3DCCD1}">
+              <a14:hiddenFill xmlns:a14="http://schemas.microsoft.com/office/drawing/2010/main">
+                <a:solidFill>
+                  <a:srgbClr val="FFFFFF"/>
+                </a:solidFill>
+              </a14:hiddenFill>
+            </a:ext>
+          </a:extLst>
+        </p:spPr>
+        <p:txBody>
+          <a:bodyPr vert="horz" wrap="square" lIns="91440" tIns="45720" rIns="91440" bIns="45720" numCol="1" anchor="t" anchorCtr="0" compatLnSpc="1">
+            <a:prstTxWarp prst="textNoShape">
+              <a:avLst/>
+            </a:prstTxWarp>
+          </a:bodyPr>
+          <a:lstStyle/>
+          <a:p>
+            <a:endParaRPr lang="en-US"/>
+          </a:p>
+        </p:txBody>
+      </p:sp>
       <p:sp>
         <p:nvSpPr>
           <p:cNvPr id="2" name="Title 1">
@@ -1788,7 +1922,12 @@
             <p:ph type="title"/>
           </p:nvPr>
         </p:nvSpPr>
-        <p:spPr/>
+        <p:spPr>
+          <a:xfrm>
+            <a:off x="423838" y="1381502"/>
+            <a:ext cx="10365566" cy="1193114"/>
+          </a:xfrm>
+        </p:spPr>
         <p:txBody>
           <a:bodyPr/>
           <a:lstStyle/>
@@ -1797,31 +1936,6 @@
               <a:rPr lang="en-US" dirty="0"/>
               <a:t>Results </a:t>
             </a:r>
-          </a:p>
-        </p:txBody>
-      </p:sp>
-      <p:sp>
-        <p:nvSpPr>
-          <p:cNvPr id="3" name="Content Placeholder 2">
-            <a:extLst>
-              <a:ext uri="{FF2B5EF4-FFF2-40B4-BE49-F238E27FC236}">
-                <a16:creationId xmlns:a16="http://schemas.microsoft.com/office/drawing/2014/main" id="{7324106F-C176-417E-AF38-0866B7FDD4A3}"/>
-              </a:ext>
-            </a:extLst>
-          </p:cNvPr>
-          <p:cNvSpPr>
-            <a:spLocks noGrp="1"/>
-          </p:cNvSpPr>
-          <p:nvPr>
-            <p:ph idx="1"/>
-          </p:nvPr>
-        </p:nvSpPr>
-        <p:spPr/>
-        <p:txBody>
-          <a:bodyPr/>
-          <a:lstStyle/>
-          <a:p>
-            <a:endParaRPr lang="en-US" dirty="0"/>
           </a:p>
         </p:txBody>
       </p:sp>
@@ -1876,7 +1990,10 @@
           <a:bodyPr/>
           <a:lstStyle/>
           <a:p>
-            <a:endParaRPr lang="en-US"/>
+            <a:r>
+              <a:rPr lang="en-US" dirty="0"/>
+              <a:t>Conclusions </a:t>
+            </a:r>
           </a:p>
         </p:txBody>
       </p:sp>
@@ -1901,7 +2018,13 @@
           <a:bodyPr/>
           <a:lstStyle/>
           <a:p>
-            <a:endParaRPr lang="en-US"/>
+            <a:r>
+              <a:rPr lang="en-US" dirty="0"/>
+              <a:t>Ease of manufacture does not outweigh the cost of thermal performance </a:t>
+            </a:r>
+          </a:p>
+          <a:p>
+            <a:endParaRPr lang="en-US" dirty="0"/>
           </a:p>
         </p:txBody>
       </p:sp>
@@ -1940,7 +2063,7 @@
           <p:cNvPr id="2" name="Title 1">
             <a:extLst>
               <a:ext uri="{FF2B5EF4-FFF2-40B4-BE49-F238E27FC236}">
-                <a16:creationId xmlns:a16="http://schemas.microsoft.com/office/drawing/2014/main" id="{4A22DF60-89FE-4E1F-8ED1-CEB97F1FD61A}"/>
+                <a16:creationId xmlns:a16="http://schemas.microsoft.com/office/drawing/2014/main" id="{732C4AA9-0694-4D94-9A41-C21A40D4958E}"/>
               </a:ext>
             </a:extLst>
           </p:cNvPr>
@@ -1956,7 +2079,10 @@
           <a:bodyPr/>
           <a:lstStyle/>
           <a:p>
-            <a:endParaRPr lang="en-US" dirty="0"/>
+            <a:r>
+              <a:rPr lang="en-US" dirty="0"/>
+              <a:t>References </a:t>
+            </a:r>
           </a:p>
         </p:txBody>
       </p:sp>
@@ -1965,7 +2091,7 @@
           <p:cNvPr id="3" name="Content Placeholder 2">
             <a:extLst>
               <a:ext uri="{FF2B5EF4-FFF2-40B4-BE49-F238E27FC236}">
-                <a16:creationId xmlns:a16="http://schemas.microsoft.com/office/drawing/2014/main" id="{89770209-04A4-4CB3-8477-0F725FB7DA41}"/>
+                <a16:creationId xmlns:a16="http://schemas.microsoft.com/office/drawing/2014/main" id="{2CF76FE1-0C53-432D-A547-1A3EBE372CF6}"/>
               </a:ext>
             </a:extLst>
           </p:cNvPr>
@@ -1978,93 +2104,48 @@
         </p:nvSpPr>
         <p:spPr/>
         <p:txBody>
-          <a:bodyPr/>
+          <a:bodyPr>
+            <a:normAutofit/>
+          </a:bodyPr>
           <a:lstStyle/>
           <a:p>
-            <a:endParaRPr lang="en-US"/>
-          </a:p>
-        </p:txBody>
-      </p:sp>
-    </p:spTree>
-    <p:extLst>
-      <p:ext uri="{BB962C8B-B14F-4D97-AF65-F5344CB8AC3E}">
-        <p14:creationId xmlns:p14="http://schemas.microsoft.com/office/powerpoint/2010/main" val="1322324325"/>
-      </p:ext>
-    </p:extLst>
-  </p:cSld>
-  <p:clrMapOvr>
-    <a:masterClrMapping/>
-  </p:clrMapOvr>
-</p:sld>
-</file>
-
-<file path=ppt/slides/slide14.xml><?xml version="1.0" encoding="utf-8"?>
-<p:sld xmlns:a="http://schemas.openxmlformats.org/drawingml/2006/main" xmlns:r="http://schemas.openxmlformats.org/officeDocument/2006/relationships" xmlns:p="http://schemas.openxmlformats.org/presentationml/2006/main">
-  <p:cSld>
-    <p:spTree>
-      <p:nvGrpSpPr>
-        <p:cNvPr id="1" name=""/>
-        <p:cNvGrpSpPr/>
-        <p:nvPr/>
-      </p:nvGrpSpPr>
-      <p:grpSpPr>
-        <a:xfrm>
-          <a:off x="0" y="0"/>
-          <a:ext cx="0" cy="0"/>
-          <a:chOff x="0" y="0"/>
-          <a:chExt cx="0" cy="0"/>
-        </a:xfrm>
-      </p:grpSpPr>
-      <p:sp>
-        <p:nvSpPr>
-          <p:cNvPr id="2" name="Title 1">
-            <a:extLst>
-              <a:ext uri="{FF2B5EF4-FFF2-40B4-BE49-F238E27FC236}">
-                <a16:creationId xmlns:a16="http://schemas.microsoft.com/office/drawing/2014/main" id="{732C4AA9-0694-4D94-9A41-C21A40D4958E}"/>
-              </a:ext>
-            </a:extLst>
-          </p:cNvPr>
-          <p:cNvSpPr>
-            <a:spLocks noGrp="1"/>
-          </p:cNvSpPr>
-          <p:nvPr>
-            <p:ph type="title"/>
-          </p:nvPr>
-        </p:nvSpPr>
-        <p:spPr/>
-        <p:txBody>
-          <a:bodyPr/>
-          <a:lstStyle/>
-          <a:p>
-            <a:r>
-              <a:rPr lang="en-US" dirty="0"/>
-              <a:t>References </a:t>
-            </a:r>
-          </a:p>
-        </p:txBody>
-      </p:sp>
-      <p:sp>
-        <p:nvSpPr>
-          <p:cNvPr id="3" name="Content Placeholder 2">
-            <a:extLst>
-              <a:ext uri="{FF2B5EF4-FFF2-40B4-BE49-F238E27FC236}">
-                <a16:creationId xmlns:a16="http://schemas.microsoft.com/office/drawing/2014/main" id="{2CF76FE1-0C53-432D-A547-1A3EBE372CF6}"/>
-              </a:ext>
-            </a:extLst>
-          </p:cNvPr>
-          <p:cNvSpPr>
-            <a:spLocks noGrp="1"/>
-          </p:cNvSpPr>
-          <p:nvPr>
-            <p:ph idx="1"/>
-          </p:nvPr>
-        </p:nvSpPr>
-        <p:spPr/>
-        <p:txBody>
-          <a:bodyPr/>
-          <a:lstStyle/>
-          <a:p>
-            <a:endParaRPr lang="en-US"/>
+            <a:r>
+              <a:rPr lang="en-US" sz="1100" dirty="0"/>
+              <a:t>[1] https://www.yicaiglobal.com/news/china-puts-200-megawatt-hour-concentrated-solar-power-plant-into-operation</a:t>
+            </a:r>
+          </a:p>
+          <a:p>
+            <a:r>
+              <a:rPr lang="en-US" sz="1100" dirty="0">
+                <a:hlinkClick r:id="rId2"/>
+              </a:rPr>
+              <a:t>[2] https://www.energy.gov/eere/solar/power-tower-system-concentrating-solar-thermal-power-basics</a:t>
+            </a:r>
+            <a:endParaRPr lang="en-US" sz="1100" dirty="0"/>
+          </a:p>
+          <a:p>
+            <a:r>
+              <a:rPr lang="en-US" sz="1100" dirty="0"/>
+              <a:t>[3] </a:t>
+            </a:r>
+            <a:r>
+              <a:rPr lang="en-US" sz="1100" b="0" i="0" dirty="0">
+                <a:solidFill>
+                  <a:srgbClr val="5D6879"/>
+                </a:solidFill>
+                <a:effectLst/>
+                <a:latin typeface="Verdana" panose="020B0604030504040204" pitchFamily="34" charset="0"/>
+                <a:ea typeface="Verdana" panose="020B0604030504040204" pitchFamily="34" charset="0"/>
+              </a:rPr>
+              <a:t>https://www.sciencedirect.com/science/article/pii/S0960148120300562</a:t>
+            </a:r>
+            <a:endParaRPr lang="en-US" sz="1100" dirty="0">
+              <a:latin typeface="Verdana" panose="020B0604030504040204" pitchFamily="34" charset="0"/>
+              <a:ea typeface="Verdana" panose="020B0604030504040204" pitchFamily="34" charset="0"/>
+            </a:endParaRPr>
+          </a:p>
+          <a:p>
+            <a:endParaRPr lang="en-US" sz="1100" dirty="0"/>
           </a:p>
         </p:txBody>
       </p:sp>
@@ -2258,7 +2339,12 @@
             <p:ph idx="1"/>
           </p:nvPr>
         </p:nvSpPr>
-        <p:spPr/>
+        <p:spPr>
+          <a:xfrm>
+            <a:off x="913218" y="2443959"/>
+            <a:ext cx="4410450" cy="3682206"/>
+          </a:xfrm>
+        </p:spPr>
         <p:txBody>
           <a:bodyPr/>
           <a:lstStyle/>
@@ -2276,6 +2362,71 @@
           </a:p>
         </p:txBody>
       </p:sp>
+      <p:sp>
+        <p:nvSpPr>
+          <p:cNvPr id="5" name="TextBox 4">
+            <a:extLst>
+              <a:ext uri="{FF2B5EF4-FFF2-40B4-BE49-F238E27FC236}">
+                <a16:creationId xmlns:a16="http://schemas.microsoft.com/office/drawing/2014/main" id="{3C7E16A4-B7EE-4E66-904D-BDC14144B9EE}"/>
+              </a:ext>
+            </a:extLst>
+          </p:cNvPr>
+          <p:cNvSpPr txBox="1"/>
+          <p:nvPr/>
+        </p:nvSpPr>
+        <p:spPr>
+          <a:xfrm>
+            <a:off x="10995938" y="5329499"/>
+            <a:ext cx="565688" cy="369332"/>
+          </a:xfrm>
+          <a:prstGeom prst="rect">
+            <a:avLst/>
+          </a:prstGeom>
+          <a:noFill/>
+        </p:spPr>
+        <p:txBody>
+          <a:bodyPr wrap="square" rtlCol="0">
+            <a:spAutoFit/>
+          </a:bodyPr>
+          <a:lstStyle/>
+          <a:p>
+            <a:r>
+              <a:rPr lang="en-US" dirty="0"/>
+              <a:t>[2]</a:t>
+            </a:r>
+          </a:p>
+        </p:txBody>
+      </p:sp>
+      <p:pic>
+        <p:nvPicPr>
+          <p:cNvPr id="6" name="Picture 5">
+            <a:extLst>
+              <a:ext uri="{FF2B5EF4-FFF2-40B4-BE49-F238E27FC236}">
+                <a16:creationId xmlns:a16="http://schemas.microsoft.com/office/drawing/2014/main" id="{539E4E26-83F3-41C9-9EF8-45D2080D3EBE}"/>
+              </a:ext>
+            </a:extLst>
+          </p:cNvPr>
+          <p:cNvPicPr>
+            <a:picLocks noChangeAspect="1"/>
+          </p:cNvPicPr>
+          <p:nvPr/>
+        </p:nvPicPr>
+        <p:blipFill>
+          <a:blip r:embed="rId2"/>
+          <a:stretch>
+            <a:fillRect/>
+          </a:stretch>
+        </p:blipFill>
+        <p:spPr>
+          <a:xfrm>
+            <a:off x="6096000" y="2255002"/>
+            <a:ext cx="4713422" cy="3142281"/>
+          </a:xfrm>
+          <a:prstGeom prst="rect">
+            <a:avLst/>
+          </a:prstGeom>
+        </p:spPr>
+      </p:pic>
     </p:spTree>
     <p:extLst>
       <p:ext uri="{BB962C8B-B14F-4D97-AF65-F5344CB8AC3E}">
@@ -2352,7 +2503,12 @@
             <p:ph idx="1"/>
           </p:nvPr>
         </p:nvSpPr>
-        <p:spPr/>
+        <p:spPr>
+          <a:xfrm>
+            <a:off x="913218" y="2443959"/>
+            <a:ext cx="5696809" cy="3682206"/>
+          </a:xfrm>
+        </p:spPr>
         <p:txBody>
           <a:bodyPr/>
           <a:lstStyle/>
@@ -2366,6 +2522,71 @@
             <a:r>
               <a:rPr lang="en-US" dirty="0"/>
               <a:t>Use the heat at night to extend the hours of power generation </a:t>
+            </a:r>
+          </a:p>
+        </p:txBody>
+      </p:sp>
+      <p:pic>
+        <p:nvPicPr>
+          <p:cNvPr id="4" name="Picture 3">
+            <a:extLst>
+              <a:ext uri="{FF2B5EF4-FFF2-40B4-BE49-F238E27FC236}">
+                <a16:creationId xmlns:a16="http://schemas.microsoft.com/office/drawing/2014/main" id="{129C6A33-FC4C-49A9-925F-5A1133CDADD6}"/>
+              </a:ext>
+            </a:extLst>
+          </p:cNvPr>
+          <p:cNvPicPr>
+            <a:picLocks noChangeAspect="1"/>
+          </p:cNvPicPr>
+          <p:nvPr/>
+        </p:nvPicPr>
+        <p:blipFill>
+          <a:blip r:embed="rId2"/>
+          <a:stretch>
+            <a:fillRect/>
+          </a:stretch>
+        </p:blipFill>
+        <p:spPr>
+          <a:xfrm>
+            <a:off x="6257629" y="2356540"/>
+            <a:ext cx="5079085" cy="3250615"/>
+          </a:xfrm>
+          <a:prstGeom prst="rect">
+            <a:avLst/>
+          </a:prstGeom>
+        </p:spPr>
+      </p:pic>
+      <p:sp>
+        <p:nvSpPr>
+          <p:cNvPr id="5" name="TextBox 4">
+            <a:extLst>
+              <a:ext uri="{FF2B5EF4-FFF2-40B4-BE49-F238E27FC236}">
+                <a16:creationId xmlns:a16="http://schemas.microsoft.com/office/drawing/2014/main" id="{28C383B9-44E0-402C-8991-4A175ECFE76F}"/>
+              </a:ext>
+            </a:extLst>
+          </p:cNvPr>
+          <p:cNvSpPr txBox="1"/>
+          <p:nvPr/>
+        </p:nvSpPr>
+        <p:spPr>
+          <a:xfrm>
+            <a:off x="11445498" y="5447654"/>
+            <a:ext cx="565688" cy="369332"/>
+          </a:xfrm>
+          <a:prstGeom prst="rect">
+            <a:avLst/>
+          </a:prstGeom>
+          <a:noFill/>
+        </p:spPr>
+        <p:txBody>
+          <a:bodyPr wrap="square" rtlCol="0">
+            <a:spAutoFit/>
+          </a:bodyPr>
+          <a:lstStyle/>
+          <a:p>
+            <a:r>
+              <a:rPr lang="en-US" dirty="0"/>
+              <a:t>[2]</a:t>
             </a:r>
           </a:p>
         </p:txBody>
@@ -2444,7 +2665,12 @@
             <p:ph idx="1"/>
           </p:nvPr>
         </p:nvSpPr>
-        <p:spPr/>
+        <p:spPr>
+          <a:xfrm>
+            <a:off x="913218" y="2443959"/>
+            <a:ext cx="5673562" cy="3682206"/>
+          </a:xfrm>
+        </p:spPr>
         <p:txBody>
           <a:bodyPr/>
           <a:lstStyle/>
@@ -2462,6 +2688,71 @@
           </a:p>
           <a:p>
             <a:endParaRPr lang="en-US" dirty="0"/>
+          </a:p>
+        </p:txBody>
+      </p:sp>
+      <p:pic>
+        <p:nvPicPr>
+          <p:cNvPr id="5" name="Picture 4">
+            <a:extLst>
+              <a:ext uri="{FF2B5EF4-FFF2-40B4-BE49-F238E27FC236}">
+                <a16:creationId xmlns:a16="http://schemas.microsoft.com/office/drawing/2014/main" id="{0E99390D-24C4-49E0-BFE1-B3D443A11949}"/>
+              </a:ext>
+            </a:extLst>
+          </p:cNvPr>
+          <p:cNvPicPr>
+            <a:picLocks noChangeAspect="1"/>
+          </p:cNvPicPr>
+          <p:nvPr/>
+        </p:nvPicPr>
+        <p:blipFill>
+          <a:blip r:embed="rId2"/>
+          <a:stretch>
+            <a:fillRect/>
+          </a:stretch>
+        </p:blipFill>
+        <p:spPr>
+          <a:xfrm>
+            <a:off x="6388894" y="1717716"/>
+            <a:ext cx="5087776" cy="3719697"/>
+          </a:xfrm>
+          <a:prstGeom prst="rect">
+            <a:avLst/>
+          </a:prstGeom>
+        </p:spPr>
+      </p:pic>
+      <p:sp>
+        <p:nvSpPr>
+          <p:cNvPr id="6" name="TextBox 5">
+            <a:extLst>
+              <a:ext uri="{FF2B5EF4-FFF2-40B4-BE49-F238E27FC236}">
+                <a16:creationId xmlns:a16="http://schemas.microsoft.com/office/drawing/2014/main" id="{2C72BF43-D01A-4C3D-8E1D-160BC878E677}"/>
+              </a:ext>
+            </a:extLst>
+          </p:cNvPr>
+          <p:cNvSpPr txBox="1"/>
+          <p:nvPr/>
+        </p:nvSpPr>
+        <p:spPr>
+          <a:xfrm>
+            <a:off x="11337010" y="4781227"/>
+            <a:ext cx="650929" cy="369332"/>
+          </a:xfrm>
+          <a:prstGeom prst="rect">
+            <a:avLst/>
+          </a:prstGeom>
+          <a:noFill/>
+        </p:spPr>
+        <p:txBody>
+          <a:bodyPr wrap="square" rtlCol="0">
+            <a:spAutoFit/>
+          </a:bodyPr>
+          <a:lstStyle/>
+          <a:p>
+            <a:r>
+              <a:rPr lang="en-US" dirty="0"/>
+              <a:t>[3]</a:t>
+            </a:r>
           </a:p>
         </p:txBody>
       </p:sp>
@@ -2552,15 +2843,7 @@
           <a:p>
             <a:r>
               <a:rPr lang="en-US" dirty="0"/>
-              <a:t>Modeling efforts don’t capture the randomized nature of the packed </a:t>
-            </a:r>
-            <a:r>
-              <a:rPr lang="en-US" dirty="0" err="1"/>
-              <a:t>bes</a:t>
-            </a:r>
-            <a:r>
-              <a:rPr lang="en-US" dirty="0"/>
-              <a:t> </a:t>
+              <a:t>Modeling efforts don’t capture the randomized nature of the packed bed </a:t>
             </a:r>
           </a:p>
         </p:txBody>
